--- a/Documents/Quality_Project.pptx
+++ b/Documents/Quality_Project.pptx
@@ -9241,6 +9241,14 @@
 <file path=ppt/slides/slide8.xml><?xml version="1.0" encoding="utf-8"?>
 <p:sld xmlns:a="http://schemas.openxmlformats.org/drawingml/2006/main" xmlns:r="http://schemas.openxmlformats.org/officeDocument/2006/relationships" xmlns:p="http://schemas.openxmlformats.org/presentationml/2006/main">
   <p:cSld>
+    <p:bg>
+      <p:bgPr>
+        <a:solidFill>
+          <a:schemeClr val="bg1"/>
+        </a:solidFill>
+        <a:effectLst/>
+      </p:bgPr>
+    </p:bg>
     <p:spTree>
       <p:nvGrpSpPr>
         <p:cNvPr id="1" name=""/>
@@ -9255,6 +9263,404 @@
           <a:chExt cx="0" cy="0"/>
         </a:xfrm>
       </p:grpSpPr>
+      <p:grpSp>
+        <p:nvGrpSpPr>
+          <p:cNvPr id="1028" name="Group 70">
+            <a:extLst>
+              <a:ext uri="{FF2B5EF4-FFF2-40B4-BE49-F238E27FC236}">
+                <a16:creationId xmlns:a16="http://schemas.microsoft.com/office/drawing/2014/main" id="{F3A9D86E-2110-414C-A789-1B14FCD552E5}"/>
+              </a:ext>
+            </a:extLst>
+          </p:cNvPr>
+          <p:cNvGrpSpPr>
+            <a:grpSpLocks noGrp="1" noUngrp="1" noRot="1" noChangeAspect="1" noMove="1" noResize="1"/>
+          </p:cNvGrpSpPr>
+          <p:nvPr>
+            <p:extLst>
+              <p:ext uri="{386F3935-93C4-4BCD-93E2-E3B085C9AB24}">
+                <p16:designElem xmlns:p16="http://schemas.microsoft.com/office/powerpoint/2015/main" val="1"/>
+              </p:ext>
+            </p:extLst>
+          </p:nvPr>
+        </p:nvGrpSpPr>
+        <p:grpSpPr>
+          <a:xfrm>
+            <a:off x="0" y="0"/>
+            <a:ext cx="12188825" cy="6872226"/>
+            <a:chOff x="0" y="0"/>
+            <a:chExt cx="12188825" cy="6872226"/>
+          </a:xfrm>
+        </p:grpSpPr>
+        <p:pic>
+          <p:nvPicPr>
+            <p:cNvPr id="72" name="Picture 71">
+              <a:extLst>
+                <a:ext uri="{FF2B5EF4-FFF2-40B4-BE49-F238E27FC236}">
+                  <a16:creationId xmlns:a16="http://schemas.microsoft.com/office/drawing/2014/main" id="{6D3F86C2-6800-4B48-AA85-2C7CD1B53D05}"/>
+                </a:ext>
+              </a:extLst>
+            </p:cNvPr>
+            <p:cNvPicPr>
+              <a:picLocks noChangeAspect="1"/>
+            </p:cNvPicPr>
+            <p:nvPr>
+              <p:extLst>
+                <p:ext uri="{386F3935-93C4-4BCD-93E2-E3B085C9AB24}">
+                  <p16:designElem xmlns:p16="http://schemas.microsoft.com/office/powerpoint/2015/main" val="1"/>
+                </p:ext>
+              </p:extLst>
+            </p:nvPr>
+          </p:nvPicPr>
+          <p:blipFill>
+            <a:blip r:embed="rId2">
+              <a:extLst>
+                <a:ext uri="{28A0092B-C50C-407E-A947-70E740481C1C}">
+                  <a14:useLocalDpi xmlns:a14="http://schemas.microsoft.com/office/drawing/2010/main" val="0"/>
+                </a:ext>
+              </a:extLst>
+            </a:blip>
+            <a:stretch>
+              <a:fillRect/>
+            </a:stretch>
+          </p:blipFill>
+          <p:spPr>
+            <a:xfrm>
+              <a:off x="0" y="0"/>
+              <a:ext cx="12188825" cy="6856214"/>
+            </a:xfrm>
+            <a:prstGeom prst="rect">
+              <a:avLst/>
+            </a:prstGeom>
+          </p:spPr>
+        </p:pic>
+        <p:sp>
+          <p:nvSpPr>
+            <p:cNvPr id="73" name="Rectangle 72">
+              <a:extLst>
+                <a:ext uri="{FF2B5EF4-FFF2-40B4-BE49-F238E27FC236}">
+                  <a16:creationId xmlns:a16="http://schemas.microsoft.com/office/drawing/2014/main" id="{EE59C5B5-C483-49A7-8EA0-50613852667F}"/>
+                </a:ext>
+              </a:extLst>
+            </p:cNvPr>
+            <p:cNvSpPr/>
+            <p:nvPr>
+              <p:extLst>
+                <p:ext uri="{386F3935-93C4-4BCD-93E2-E3B085C9AB24}">
+                  <p16:designElem xmlns:p16="http://schemas.microsoft.com/office/powerpoint/2015/main" val="1"/>
+                </p:ext>
+              </p:extLst>
+            </p:nvPr>
+          </p:nvSpPr>
+          <p:spPr>
+            <a:xfrm>
+              <a:off x="2328332" y="1540931"/>
+              <a:ext cx="7543802" cy="3835401"/>
+            </a:xfrm>
+            <a:prstGeom prst="rect">
+              <a:avLst/>
+            </a:prstGeom>
+            <a:noFill/>
+            <a:ln w="15875">
+              <a:miter lim="800000"/>
+            </a:ln>
+          </p:spPr>
+          <p:style>
+            <a:lnRef idx="1">
+              <a:schemeClr val="accent1"/>
+            </a:lnRef>
+            <a:fillRef idx="3">
+              <a:schemeClr val="accent1"/>
+            </a:fillRef>
+            <a:effectRef idx="2">
+              <a:schemeClr val="accent1"/>
+            </a:effectRef>
+            <a:fontRef idx="minor">
+              <a:schemeClr val="lt1"/>
+            </a:fontRef>
+          </p:style>
+        </p:sp>
+        <p:pic>
+          <p:nvPicPr>
+            <p:cNvPr id="74" name="Picture 73">
+              <a:extLst>
+                <a:ext uri="{FF2B5EF4-FFF2-40B4-BE49-F238E27FC236}">
+                  <a16:creationId xmlns:a16="http://schemas.microsoft.com/office/drawing/2014/main" id="{BD6C58B8-7BB1-49FF-830C-A105A4CE53F9}"/>
+                </a:ext>
+              </a:extLst>
+            </p:cNvPr>
+            <p:cNvPicPr>
+              <a:picLocks noChangeAspect="1"/>
+            </p:cNvPicPr>
+            <p:nvPr>
+              <p:extLst>
+                <p:ext uri="{386F3935-93C4-4BCD-93E2-E3B085C9AB24}">
+                  <p16:designElem xmlns:p16="http://schemas.microsoft.com/office/powerpoint/2015/main" val="1"/>
+                </p:ext>
+              </p:extLst>
+            </p:nvPr>
+          </p:nvPicPr>
+          <p:blipFill rotWithShape="1">
+            <a:blip r:embed="rId3">
+              <a:extLst>
+                <a:ext uri="{28A0092B-C50C-407E-A947-70E740481C1C}">
+                  <a14:useLocalDpi xmlns:a14="http://schemas.microsoft.com/office/drawing/2010/main" val="0"/>
+                </a:ext>
+              </a:extLst>
+            </a:blip>
+            <a:srcRect l="2" r="47673"/>
+            <a:stretch/>
+          </p:blipFill>
+          <p:spPr>
+            <a:xfrm rot="5400000">
+              <a:off x="5245268" y="530352"/>
+              <a:ext cx="1673352" cy="612648"/>
+            </a:xfrm>
+            <a:prstGeom prst="rect">
+              <a:avLst/>
+            </a:prstGeom>
+          </p:spPr>
+        </p:pic>
+        <p:pic>
+          <p:nvPicPr>
+            <p:cNvPr id="75" name="Picture 74">
+              <a:extLst>
+                <a:ext uri="{FF2B5EF4-FFF2-40B4-BE49-F238E27FC236}">
+                  <a16:creationId xmlns:a16="http://schemas.microsoft.com/office/drawing/2014/main" id="{3EF8675D-B8F2-4363-95EB-AB8CE5FA01C7}"/>
+                </a:ext>
+              </a:extLst>
+            </p:cNvPr>
+            <p:cNvPicPr>
+              <a:picLocks noChangeAspect="1"/>
+            </p:cNvPicPr>
+            <p:nvPr>
+              <p:extLst>
+                <p:ext uri="{386F3935-93C4-4BCD-93E2-E3B085C9AB24}">
+                  <p16:designElem xmlns:p16="http://schemas.microsoft.com/office/powerpoint/2015/main" val="1"/>
+                </p:ext>
+              </p:extLst>
+            </p:nvPr>
+          </p:nvPicPr>
+          <p:blipFill rotWithShape="1">
+            <a:blip r:embed="rId3">
+              <a:extLst>
+                <a:ext uri="{28A0092B-C50C-407E-A947-70E740481C1C}">
+                  <a14:useLocalDpi xmlns:a14="http://schemas.microsoft.com/office/drawing/2010/main" val="0"/>
+                </a:ext>
+              </a:extLst>
+            </a:blip>
+            <a:srcRect r="48819"/>
+            <a:stretch/>
+          </p:blipFill>
+          <p:spPr>
+            <a:xfrm rot="5400000">
+              <a:off x="5263556" y="5747514"/>
+              <a:ext cx="1636776" cy="612648"/>
+            </a:xfrm>
+            <a:prstGeom prst="rect">
+              <a:avLst/>
+            </a:prstGeom>
+          </p:spPr>
+        </p:pic>
+      </p:grpSp>
+      <p:cxnSp>
+        <p:nvCxnSpPr>
+          <p:cNvPr id="1029" name="Straight Connector 76">
+            <a:extLst>
+              <a:ext uri="{FF2B5EF4-FFF2-40B4-BE49-F238E27FC236}">
+                <a16:creationId xmlns:a16="http://schemas.microsoft.com/office/drawing/2014/main" id="{48A3ACA9-28FE-44FE-8439-756750473DB7}"/>
+              </a:ext>
+            </a:extLst>
+          </p:cNvPr>
+          <p:cNvCxnSpPr>
+            <a:cxnSpLocks noGrp="1" noRot="1" noChangeAspect="1" noMove="1" noResize="1" noEditPoints="1" noAdjustHandles="1" noChangeArrowheads="1" noChangeShapeType="1"/>
+          </p:cNvCxnSpPr>
+          <p:nvPr>
+            <p:extLst>
+              <p:ext uri="{386F3935-93C4-4BCD-93E2-E3B085C9AB24}">
+                <p16:designElem xmlns:p16="http://schemas.microsoft.com/office/powerpoint/2015/main" val="1"/>
+              </p:ext>
+            </p:extLst>
+          </p:nvPr>
+        </p:nvCxnSpPr>
+        <p:spPr>
+          <a:xfrm>
+            <a:off x="2692399" y="3522131"/>
+            <a:ext cx="6815668" cy="0"/>
+          </a:xfrm>
+          <a:prstGeom prst="line">
+            <a:avLst/>
+          </a:prstGeom>
+        </p:spPr>
+        <p:style>
+          <a:lnRef idx="2">
+            <a:schemeClr val="accent1"/>
+          </a:lnRef>
+          <a:fillRef idx="0">
+            <a:schemeClr val="accent1"/>
+          </a:fillRef>
+          <a:effectRef idx="1">
+            <a:schemeClr val="accent1"/>
+          </a:effectRef>
+          <a:fontRef idx="minor">
+            <a:schemeClr val="tx1"/>
+          </a:fontRef>
+        </p:style>
+      </p:cxnSp>
+      <p:sp>
+        <p:nvSpPr>
+          <p:cNvPr id="1030" name="Rectangle 78">
+            <a:extLst>
+              <a:ext uri="{FF2B5EF4-FFF2-40B4-BE49-F238E27FC236}">
+                <a16:creationId xmlns:a16="http://schemas.microsoft.com/office/drawing/2014/main" id="{FDF8837B-BAE2-489A-8F93-69216307D5A5}"/>
+              </a:ext>
+            </a:extLst>
+          </p:cNvPr>
+          <p:cNvSpPr>
+            <a:spLocks noGrp="1" noRot="1" noChangeAspect="1" noMove="1" noResize="1" noEditPoints="1" noAdjustHandles="1" noChangeArrowheads="1" noChangeShapeType="1" noTextEdit="1"/>
+          </p:cNvSpPr>
+          <p:nvPr>
+            <p:extLst>
+              <p:ext uri="{386F3935-93C4-4BCD-93E2-E3B085C9AB24}">
+                <p16:designElem xmlns:p16="http://schemas.microsoft.com/office/powerpoint/2015/main" val="1"/>
+              </p:ext>
+            </p:extLst>
+          </p:nvPr>
+        </p:nvSpPr>
+        <p:spPr>
+          <a:xfrm>
+            <a:off x="0" y="0"/>
+            <a:ext cx="12192000" cy="6858000"/>
+          </a:xfrm>
+          <a:prstGeom prst="rect">
+            <a:avLst/>
+          </a:prstGeom>
+          <a:solidFill>
+            <a:srgbClr val="000000"/>
+          </a:solidFill>
+          <a:ln>
+            <a:noFill/>
+          </a:ln>
+        </p:spPr>
+        <p:style>
+          <a:lnRef idx="2">
+            <a:schemeClr val="accent1">
+              <a:shade val="50000"/>
+            </a:schemeClr>
+          </a:lnRef>
+          <a:fillRef idx="1">
+            <a:schemeClr val="accent1"/>
+          </a:fillRef>
+          <a:effectRef idx="0">
+            <a:schemeClr val="accent1"/>
+          </a:effectRef>
+          <a:fontRef idx="minor">
+            <a:schemeClr val="lt1"/>
+          </a:fontRef>
+        </p:style>
+        <p:txBody>
+          <a:bodyPr rtlCol="0" anchor="ctr"/>
+          <a:lstStyle/>
+          <a:p>
+            <a:pPr algn="ctr"/>
+            <a:endParaRPr lang="en-US"/>
+          </a:p>
+        </p:txBody>
+      </p:sp>
+      <p:pic>
+        <p:nvPicPr>
+          <p:cNvPr id="1026" name="Picture 2" descr="Image result for sentiment analysis">
+            <a:extLst>
+              <a:ext uri="{FF2B5EF4-FFF2-40B4-BE49-F238E27FC236}">
+                <a16:creationId xmlns:a16="http://schemas.microsoft.com/office/drawing/2014/main" id="{795E7CB5-7C0D-4528-B69B-CFB77E0A0258}"/>
+              </a:ext>
+            </a:extLst>
+          </p:cNvPr>
+          <p:cNvPicPr>
+            <a:picLocks noChangeAspect="1" noChangeArrowheads="1"/>
+          </p:cNvPicPr>
+          <p:nvPr/>
+        </p:nvPicPr>
+        <p:blipFill rotWithShape="1">
+          <a:blip r:embed="rId4">
+            <a:alphaModFix amt="50000"/>
+            <a:extLst>
+              <a:ext uri="{28A0092B-C50C-407E-A947-70E740481C1C}">
+                <a14:useLocalDpi xmlns:a14="http://schemas.microsoft.com/office/drawing/2010/main" val="0"/>
+              </a:ext>
+            </a:extLst>
+          </a:blip>
+          <a:srcRect l="4889" r="1" b="1"/>
+          <a:stretch/>
+        </p:blipFill>
+        <p:spPr bwMode="auto">
+          <a:xfrm>
+            <a:off x="3175" y="15090"/>
+            <a:ext cx="12191980" cy="6857990"/>
+          </a:xfrm>
+          <a:prstGeom prst="rect">
+            <a:avLst/>
+          </a:prstGeom>
+          <a:noFill/>
+          <a:extLst>
+            <a:ext uri="{909E8E84-426E-40DD-AFC4-6F175D3DCCD1}">
+              <a14:hiddenFill xmlns:a14="http://schemas.microsoft.com/office/drawing/2010/main">
+                <a:solidFill>
+                  <a:srgbClr val="FFFFFF"/>
+                </a:solidFill>
+              </a14:hiddenFill>
+            </a:ext>
+          </a:extLst>
+        </p:spPr>
+      </p:pic>
+      <p:cxnSp>
+        <p:nvCxnSpPr>
+          <p:cNvPr id="1031" name="Straight Connector 80">
+            <a:extLst>
+              <a:ext uri="{FF2B5EF4-FFF2-40B4-BE49-F238E27FC236}">
+                <a16:creationId xmlns:a16="http://schemas.microsoft.com/office/drawing/2014/main" id="{B48BEE9B-A2F4-4BF3-9EAD-16E1A7FC2DC6}"/>
+              </a:ext>
+            </a:extLst>
+          </p:cNvPr>
+          <p:cNvCxnSpPr>
+            <a:cxnSpLocks noGrp="1" noRot="1" noChangeAspect="1" noMove="1" noResize="1" noEditPoints="1" noAdjustHandles="1" noChangeArrowheads="1" noChangeShapeType="1"/>
+          </p:cNvCxnSpPr>
+          <p:nvPr>
+            <p:extLst>
+              <p:ext uri="{386F3935-93C4-4BCD-93E2-E3B085C9AB24}">
+                <p16:designElem xmlns:p16="http://schemas.microsoft.com/office/powerpoint/2015/main" val="1"/>
+              </p:ext>
+            </p:extLst>
+          </p:nvPr>
+        </p:nvCxnSpPr>
+        <p:spPr>
+          <a:xfrm>
+            <a:off x="3699932" y="3510608"/>
+            <a:ext cx="5120640" cy="0"/>
+          </a:xfrm>
+          <a:prstGeom prst="line">
+            <a:avLst/>
+          </a:prstGeom>
+          <a:ln>
+            <a:solidFill>
+              <a:srgbClr val="FFFFFF"/>
+            </a:solidFill>
+          </a:ln>
+        </p:spPr>
+        <p:style>
+          <a:lnRef idx="2">
+            <a:schemeClr val="accent1"/>
+          </a:lnRef>
+          <a:fillRef idx="0">
+            <a:schemeClr val="accent1"/>
+          </a:fillRef>
+          <a:effectRef idx="1">
+            <a:schemeClr val="accent1"/>
+          </a:effectRef>
+          <a:fontRef idx="minor">
+            <a:schemeClr val="tx1"/>
+          </a:fontRef>
+        </p:style>
+      </p:cxnSp>
       <p:sp>
         <p:nvSpPr>
           <p:cNvPr id="2" name="Title 1">
@@ -9271,40 +9677,26 @@
             <p:ph type="title"/>
           </p:nvPr>
         </p:nvSpPr>
-        <p:spPr/>
-        <p:txBody>
-          <a:bodyPr/>
+        <p:spPr>
+          <a:xfrm>
+            <a:off x="2852417" y="2155608"/>
+            <a:ext cx="6815669" cy="1515533"/>
+          </a:xfrm>
+        </p:spPr>
+        <p:txBody>
+          <a:bodyPr vert="horz" lIns="91440" tIns="45720" rIns="91440" bIns="45720" rtlCol="0" anchor="b">
+            <a:normAutofit/>
+          </a:bodyPr>
           <a:lstStyle/>
           <a:p>
             <a:r>
-              <a:rPr lang="en-US" dirty="0"/>
+              <a:rPr lang="en-US" sz="5400" dirty="0">
+                <a:solidFill>
+                  <a:srgbClr val="FFFFFF"/>
+                </a:solidFill>
+              </a:rPr>
               <a:t>Sentiment Analysis</a:t>
             </a:r>
-          </a:p>
-        </p:txBody>
-      </p:sp>
-      <p:sp>
-        <p:nvSpPr>
-          <p:cNvPr id="3" name="Content Placeholder 2">
-            <a:extLst>
-              <a:ext uri="{FF2B5EF4-FFF2-40B4-BE49-F238E27FC236}">
-                <a16:creationId xmlns:a16="http://schemas.microsoft.com/office/drawing/2014/main" id="{CCEC1A6E-64E1-45D9-804F-02AD9B4D4C12}"/>
-              </a:ext>
-            </a:extLst>
-          </p:cNvPr>
-          <p:cNvSpPr>
-            <a:spLocks noGrp="1"/>
-          </p:cNvSpPr>
-          <p:nvPr>
-            <p:ph idx="1"/>
-          </p:nvPr>
-        </p:nvSpPr>
-        <p:spPr/>
-        <p:txBody>
-          <a:bodyPr/>
-          <a:lstStyle/>
-          <a:p>
-            <a:endParaRPr lang="en-US" dirty="0"/>
           </a:p>
         </p:txBody>
       </p:sp>
@@ -9316,7 +9708,7 @@
     </p:extLst>
   </p:cSld>
   <p:clrMapOvr>
-    <a:masterClrMapping/>
+    <a:overrideClrMapping bg1="dk1" tx1="lt1" bg2="dk2" tx2="lt2" accent1="accent1" accent2="accent2" accent3="accent3" accent4="accent4" accent5="accent5" accent6="accent6" hlink="hlink" folHlink="folHlink"/>
   </p:clrMapOvr>
 </p:sld>
 </file>

--- a/Documents/Quality_Project.pptx
+++ b/Documents/Quality_Project.pptx
@@ -5,24 +5,25 @@
     <p:sldMasterId id="2147483648" r:id="rId1"/>
   </p:sldMasterIdLst>
   <p:notesMasterIdLst>
-    <p:notesMasterId r:id="rId17"/>
+    <p:notesMasterId r:id="rId18"/>
   </p:notesMasterIdLst>
   <p:sldIdLst>
     <p:sldId id="256" r:id="rId2"/>
     <p:sldId id="257" r:id="rId3"/>
-    <p:sldId id="258" r:id="rId4"/>
-    <p:sldId id="259" r:id="rId5"/>
-    <p:sldId id="261" r:id="rId6"/>
-    <p:sldId id="263" r:id="rId7"/>
-    <p:sldId id="264" r:id="rId8"/>
-    <p:sldId id="265" r:id="rId9"/>
-    <p:sldId id="266" r:id="rId10"/>
-    <p:sldId id="260" r:id="rId11"/>
-    <p:sldId id="267" r:id="rId12"/>
-    <p:sldId id="268" r:id="rId13"/>
-    <p:sldId id="269" r:id="rId14"/>
-    <p:sldId id="270" r:id="rId15"/>
-    <p:sldId id="271" r:id="rId16"/>
+    <p:sldId id="272" r:id="rId4"/>
+    <p:sldId id="258" r:id="rId5"/>
+    <p:sldId id="259" r:id="rId6"/>
+    <p:sldId id="261" r:id="rId7"/>
+    <p:sldId id="263" r:id="rId8"/>
+    <p:sldId id="264" r:id="rId9"/>
+    <p:sldId id="265" r:id="rId10"/>
+    <p:sldId id="266" r:id="rId11"/>
+    <p:sldId id="260" r:id="rId12"/>
+    <p:sldId id="267" r:id="rId13"/>
+    <p:sldId id="268" r:id="rId14"/>
+    <p:sldId id="269" r:id="rId15"/>
+    <p:sldId id="270" r:id="rId16"/>
+    <p:sldId id="271" r:id="rId17"/>
   </p:sldIdLst>
   <p:sldSz cx="12192000" cy="6858000"/>
   <p:notesSz cx="6858000" cy="9144000"/>
@@ -12369,6 +12370,113 @@
           <a:bodyPr/>
           <a:lstStyle/>
           <a:p>
+            <a:pPr marL="0" marR="0" lvl="0" indent="0" algn="l" defTabSz="914400" rtl="0" eaLnBrk="1" fontAlgn="auto" latinLnBrk="0" hangingPunct="1">
+              <a:lnSpc>
+                <a:spcPct val="100000"/>
+              </a:lnSpc>
+              <a:spcBef>
+                <a:spcPts val="0"/>
+              </a:spcBef>
+              <a:spcAft>
+                <a:spcPts val="0"/>
+              </a:spcAft>
+              <a:buClrTx/>
+              <a:buSzTx/>
+              <a:buFontTx/>
+              <a:buNone/>
+              <a:tabLst/>
+              <a:defRPr/>
+            </a:pPr>
+            <a:r>
+              <a:rPr lang="en-US" dirty="0"/>
+              <a:t>This knowledge of aspects and their reviews by the user helps the evolution of the game .</a:t>
+            </a:r>
+          </a:p>
+          <a:p>
+            <a:endParaRPr lang="en-US" dirty="0"/>
+          </a:p>
+        </p:txBody>
+      </p:sp>
+      <p:sp>
+        <p:nvSpPr>
+          <p:cNvPr id="4" name="Slide Number Placeholder 3"/>
+          <p:cNvSpPr>
+            <a:spLocks noGrp="1"/>
+          </p:cNvSpPr>
+          <p:nvPr>
+            <p:ph type="sldNum" sz="quarter" idx="10"/>
+          </p:nvPr>
+        </p:nvSpPr>
+        <p:spPr/>
+        <p:txBody>
+          <a:bodyPr/>
+          <a:lstStyle/>
+          <a:p>
+            <a:fld id="{D91BE29C-CA5B-4879-8B7E-2088B54E8229}" type="slidenum">
+              <a:rPr lang="en-US" smtClean="0"/>
+              <a:t>3</a:t>
+            </a:fld>
+            <a:endParaRPr lang="en-US"/>
+          </a:p>
+        </p:txBody>
+      </p:sp>
+    </p:spTree>
+    <p:extLst>
+      <p:ext uri="{BB962C8B-B14F-4D97-AF65-F5344CB8AC3E}">
+        <p14:creationId xmlns:p14="http://schemas.microsoft.com/office/powerpoint/2010/main" val="2089803191"/>
+      </p:ext>
+    </p:extLst>
+  </p:cSld>
+  <p:clrMapOvr>
+    <a:masterClrMapping/>
+  </p:clrMapOvr>
+</p:notes>
+</file>
+
+<file path=ppt/notesSlides/notesSlide2.xml><?xml version="1.0" encoding="utf-8"?>
+<p:notes xmlns:a="http://schemas.openxmlformats.org/drawingml/2006/main" xmlns:r="http://schemas.openxmlformats.org/officeDocument/2006/relationships" xmlns:p="http://schemas.openxmlformats.org/presentationml/2006/main">
+  <p:cSld>
+    <p:spTree>
+      <p:nvGrpSpPr>
+        <p:cNvPr id="1" name=""/>
+        <p:cNvGrpSpPr/>
+        <p:nvPr/>
+      </p:nvGrpSpPr>
+      <p:grpSpPr>
+        <a:xfrm>
+          <a:off x="0" y="0"/>
+          <a:ext cx="0" cy="0"/>
+          <a:chOff x="0" y="0"/>
+          <a:chExt cx="0" cy="0"/>
+        </a:xfrm>
+      </p:grpSpPr>
+      <p:sp>
+        <p:nvSpPr>
+          <p:cNvPr id="2" name="Slide Image Placeholder 1"/>
+          <p:cNvSpPr>
+            <a:spLocks noGrp="1" noRot="1" noChangeAspect="1"/>
+          </p:cNvSpPr>
+          <p:nvPr>
+            <p:ph type="sldImg"/>
+          </p:nvPr>
+        </p:nvSpPr>
+        <p:spPr/>
+      </p:sp>
+      <p:sp>
+        <p:nvSpPr>
+          <p:cNvPr id="3" name="Notes Placeholder 2"/>
+          <p:cNvSpPr>
+            <a:spLocks noGrp="1"/>
+          </p:cNvSpPr>
+          <p:nvPr>
+            <p:ph type="body" idx="1"/>
+          </p:nvPr>
+        </p:nvSpPr>
+        <p:spPr/>
+        <p:txBody>
+          <a:bodyPr/>
+          <a:lstStyle/>
+          <a:p>
             <a:r>
               <a:rPr lang="en-US" dirty="0"/>
               <a:t>Tried different ratios in splitting dataset and finalized 70-30</a:t>
@@ -12393,7 +12501,7 @@
           <a:p>
             <a:fld id="{D91BE29C-CA5B-4879-8B7E-2088B54E8229}" type="slidenum">
               <a:rPr lang="en-US" smtClean="0"/>
-              <a:t>11</a:t>
+              <a:t>12</a:t>
             </a:fld>
             <a:endParaRPr lang="en-US"/>
           </a:p>
@@ -18142,7 +18250,7 @@
           <a:lstStyle/>
           <a:p>
             <a:r>
-              <a:rPr lang="en-US" sz="4300" dirty="0"/>
+              <a:rPr lang="en-US" sz="4300" b="1" i="1" dirty="0"/>
               <a:t>A study on crowdsourced game reviews</a:t>
             </a:r>
           </a:p>
@@ -18150,48 +18258,52 @@
             <a:pPr algn="l"/>
             <a:r>
               <a:rPr lang="en-US" sz="3600" dirty="0"/>
-              <a:t>				  								 Hiten Gupta</a:t>
+              <a:t>				  								 </a:t>
+            </a:r>
+            <a:r>
+              <a:rPr lang="en-US" sz="3600" b="1" dirty="0"/>
+              <a:t>Hiten Gupta</a:t>
             </a:r>
           </a:p>
           <a:p>
             <a:pPr algn="l"/>
             <a:r>
-              <a:rPr lang="en-US" sz="3600" dirty="0"/>
+              <a:rPr lang="en-US" sz="3600" b="1" dirty="0"/>
               <a:t>							      					 </a:t>
             </a:r>
             <a:r>
-              <a:rPr lang="en-US" sz="3600" dirty="0" err="1"/>
+              <a:rPr lang="en-US" sz="3600" b="1" dirty="0" err="1"/>
               <a:t>Raseshwari</a:t>
             </a:r>
             <a:r>
-              <a:rPr lang="en-US" sz="3600" dirty="0"/>
+              <a:rPr lang="en-US" sz="3600" b="1" dirty="0"/>
               <a:t> </a:t>
             </a:r>
             <a:r>
-              <a:rPr lang="en-US" sz="3600" dirty="0" err="1"/>
+              <a:rPr lang="en-US" sz="3600" b="1" dirty="0" err="1"/>
               <a:t>Pulle</a:t>
             </a:r>
-            <a:endParaRPr lang="en-US" sz="3600" dirty="0"/>
+            <a:endParaRPr lang="en-US" sz="3600" b="1" dirty="0"/>
           </a:p>
           <a:p>
             <a:pPr algn="l"/>
             <a:r>
-              <a:rPr lang="en-US" sz="3600" dirty="0"/>
+              <a:rPr lang="en-US" sz="3600" b="1" dirty="0"/>
               <a:t>					                                   					 Sultan </a:t>
             </a:r>
             <a:r>
-              <a:rPr lang="en-US" sz="3600" dirty="0" err="1"/>
+              <a:rPr lang="en-US" sz="3600" b="1" dirty="0" err="1"/>
               <a:t>mira</a:t>
             </a:r>
-            <a:endParaRPr lang="en-US" sz="3600" dirty="0"/>
+            <a:endParaRPr lang="en-US" sz="3600" b="1" dirty="0"/>
           </a:p>
           <a:p>
             <a:pPr algn="l"/>
             <a:r>
-              <a:rPr lang="en-US" sz="3600" dirty="0"/>
+              <a:rPr lang="en-US" sz="3600" b="1" dirty="0"/>
               <a:t>							   					 Prakhar Rawat</a:t>
             </a:r>
-            <a:endParaRPr lang="en-US" dirty="0"/>
+            <a:endParaRPr lang="en-US" b="1" dirty="0"/>
           </a:p>
         </p:txBody>
       </p:sp>
@@ -18209,6 +18321,64 @@
 </file>
 
 <file path=ppt/slides/slide10.xml><?xml version="1.0" encoding="utf-8"?>
+<p:sld xmlns:a="http://schemas.openxmlformats.org/drawingml/2006/main" xmlns:r="http://schemas.openxmlformats.org/officeDocument/2006/relationships" xmlns:p="http://schemas.openxmlformats.org/presentationml/2006/main">
+  <p:cSld>
+    <p:spTree>
+      <p:nvGrpSpPr>
+        <p:cNvPr id="1" name=""/>
+        <p:cNvGrpSpPr/>
+        <p:nvPr/>
+      </p:nvGrpSpPr>
+      <p:grpSpPr>
+        <a:xfrm>
+          <a:off x="0" y="0"/>
+          <a:ext cx="0" cy="0"/>
+          <a:chOff x="0" y="0"/>
+          <a:chExt cx="0" cy="0"/>
+        </a:xfrm>
+      </p:grpSpPr>
+      <p:sp>
+        <p:nvSpPr>
+          <p:cNvPr id="2" name="Title 1">
+            <a:extLst>
+              <a:ext uri="{FF2B5EF4-FFF2-40B4-BE49-F238E27FC236}">
+                <a16:creationId xmlns:a16="http://schemas.microsoft.com/office/drawing/2014/main" id="{6A392012-BAD0-47A0-95AC-EB8FD1D7D97B}"/>
+              </a:ext>
+            </a:extLst>
+          </p:cNvPr>
+          <p:cNvSpPr>
+            <a:spLocks noGrp="1"/>
+          </p:cNvSpPr>
+          <p:nvPr>
+            <p:ph type="ctrTitle"/>
+          </p:nvPr>
+        </p:nvSpPr>
+        <p:spPr/>
+        <p:txBody>
+          <a:bodyPr/>
+          <a:lstStyle/>
+          <a:p>
+            <a:r>
+              <a:rPr lang="en-US" dirty="0"/>
+              <a:t>Experimental Setup</a:t>
+            </a:r>
+          </a:p>
+        </p:txBody>
+      </p:sp>
+    </p:spTree>
+    <p:extLst>
+      <p:ext uri="{BB962C8B-B14F-4D97-AF65-F5344CB8AC3E}">
+        <p14:creationId xmlns:p14="http://schemas.microsoft.com/office/powerpoint/2010/main" val="4097574059"/>
+      </p:ext>
+    </p:extLst>
+  </p:cSld>
+  <p:clrMapOvr>
+    <a:masterClrMapping/>
+  </p:clrMapOvr>
+</p:sld>
+</file>
+
+<file path=ppt/slides/slide11.xml><?xml version="1.0" encoding="utf-8"?>
 <p:sld xmlns:a="http://schemas.openxmlformats.org/drawingml/2006/main" xmlns:r="http://schemas.openxmlformats.org/officeDocument/2006/relationships" xmlns:p="http://schemas.openxmlformats.org/presentationml/2006/main">
   <p:cSld>
     <p:spTree>
@@ -18297,7 +18467,7 @@
 </p:sld>
 </file>
 
-<file path=ppt/slides/slide11.xml><?xml version="1.0" encoding="utf-8"?>
+<file path=ppt/slides/slide12.xml><?xml version="1.0" encoding="utf-8"?>
 <p:sld xmlns:a="http://schemas.openxmlformats.org/drawingml/2006/main" xmlns:r="http://schemas.openxmlformats.org/officeDocument/2006/relationships" xmlns:p="http://schemas.openxmlformats.org/presentationml/2006/main">
   <p:cSld>
     <p:bg>
@@ -18646,7 +18816,7 @@
 </p:sld>
 </file>
 
-<file path=ppt/slides/slide12.xml><?xml version="1.0" encoding="utf-8"?>
+<file path=ppt/slides/slide13.xml><?xml version="1.0" encoding="utf-8"?>
 <p:sld xmlns:a="http://schemas.openxmlformats.org/drawingml/2006/main" xmlns:r="http://schemas.openxmlformats.org/officeDocument/2006/relationships" xmlns:p="http://schemas.openxmlformats.org/presentationml/2006/main">
   <p:cSld>
     <p:spTree>
@@ -18704,7 +18874,7 @@
 </p:sld>
 </file>
 
-<file path=ppt/slides/slide13.xml><?xml version="1.0" encoding="utf-8"?>
+<file path=ppt/slides/slide14.xml><?xml version="1.0" encoding="utf-8"?>
 <p:sld xmlns:a="http://schemas.openxmlformats.org/drawingml/2006/main" xmlns:r="http://schemas.openxmlformats.org/officeDocument/2006/relationships" xmlns:p="http://schemas.openxmlformats.org/presentationml/2006/main">
   <p:cSld>
     <p:spTree>
@@ -18884,7 +19054,7 @@
 </p:sld>
 </file>
 
-<file path=ppt/slides/slide14.xml><?xml version="1.0" encoding="utf-8"?>
+<file path=ppt/slides/slide15.xml><?xml version="1.0" encoding="utf-8"?>
 <p:sld xmlns:a="http://schemas.openxmlformats.org/drawingml/2006/main" xmlns:r="http://schemas.openxmlformats.org/officeDocument/2006/relationships" xmlns:p="http://schemas.openxmlformats.org/presentationml/2006/main">
   <p:cSld>
     <p:spTree>
@@ -18942,7 +19112,7 @@
 </p:sld>
 </file>
 
-<file path=ppt/slides/slide15.xml><?xml version="1.0" encoding="utf-8"?>
+<file path=ppt/slides/slide16.xml><?xml version="1.0" encoding="utf-8"?>
 <p:sld xmlns:a="http://schemas.openxmlformats.org/drawingml/2006/main" xmlns:r="http://schemas.openxmlformats.org/officeDocument/2006/relationships" xmlns:p="http://schemas.openxmlformats.org/presentationml/2006/main">
   <p:cSld>
     <p:spTree>
@@ -19018,21 +19188,8 @@
           <a:p>
             <a:r>
               <a:rPr lang="en-US" dirty="0"/>
-              <a:t>Approach implemented and verified using four different Classifiers (NB </a:t>
+              <a:t>Approach implemented and verified using four different Classifiers (NB - Classifiers, KNN, SVM, Logistic Regression)</a:t>
             </a:r>
-            <a:r>
-              <a:rPr lang="en-US"/>
-              <a:t>- Classifiers, </a:t>
-            </a:r>
-            <a:r>
-              <a:rPr lang="en-US" dirty="0"/>
-              <a:t>KNN, SVM, </a:t>
-            </a:r>
-            <a:r>
-              <a:rPr lang="en-US"/>
-              <a:t>Logistic Regression)</a:t>
-            </a:r>
-            <a:endParaRPr lang="en-US" dirty="0"/>
           </a:p>
           <a:p>
             <a:r>
@@ -19432,6 +19589,118 @@
           <p:cNvPr id="2" name="Title 1">
             <a:extLst>
               <a:ext uri="{FF2B5EF4-FFF2-40B4-BE49-F238E27FC236}">
+                <a16:creationId xmlns:a16="http://schemas.microsoft.com/office/drawing/2014/main" id="{665F5459-7687-42CC-B3A5-2B15D9176D36}"/>
+              </a:ext>
+            </a:extLst>
+          </p:cNvPr>
+          <p:cNvSpPr>
+            <a:spLocks noGrp="1"/>
+          </p:cNvSpPr>
+          <p:nvPr>
+            <p:ph type="title"/>
+          </p:nvPr>
+        </p:nvSpPr>
+        <p:spPr/>
+        <p:txBody>
+          <a:bodyPr/>
+          <a:lstStyle/>
+          <a:p>
+            <a:r>
+              <a:rPr lang="en-US" dirty="0"/>
+              <a:t>Need for ABSA in Game Reviews</a:t>
+            </a:r>
+          </a:p>
+        </p:txBody>
+      </p:sp>
+      <p:sp>
+        <p:nvSpPr>
+          <p:cNvPr id="3" name="Content Placeholder 2">
+            <a:extLst>
+              <a:ext uri="{FF2B5EF4-FFF2-40B4-BE49-F238E27FC236}">
+                <a16:creationId xmlns:a16="http://schemas.microsoft.com/office/drawing/2014/main" id="{68FE95D4-1A57-41B7-B90F-81D0020BBFAE}"/>
+              </a:ext>
+            </a:extLst>
+          </p:cNvPr>
+          <p:cNvSpPr>
+            <a:spLocks noGrp="1"/>
+          </p:cNvSpPr>
+          <p:nvPr>
+            <p:ph idx="1"/>
+          </p:nvPr>
+        </p:nvSpPr>
+        <p:spPr/>
+        <p:txBody>
+          <a:bodyPr>
+            <a:normAutofit/>
+          </a:bodyPr>
+          <a:lstStyle/>
+          <a:p>
+            <a:r>
+              <a:rPr lang="en-US" dirty="0"/>
+              <a:t>Reviews are a rich source of information</a:t>
+            </a:r>
+          </a:p>
+          <a:p>
+            <a:r>
+              <a:rPr lang="en-US" dirty="0"/>
+              <a:t>In recent times, customer/user attitude researchers have turned to user created content, such as social media, internet forum, and user reviews, with the intent of mining user attitudes from within.</a:t>
+            </a:r>
+          </a:p>
+          <a:p>
+            <a:r>
+              <a:rPr lang="en-US" dirty="0"/>
+              <a:t>Lack of studies related to analyzing aspects of games through reviews</a:t>
+            </a:r>
+          </a:p>
+          <a:p>
+            <a:r>
+              <a:rPr lang="en-US" dirty="0"/>
+              <a:t>A video game has many aspects(gameplay, story, etc.) which can be of importance to different stakeholder(developers, requirement engineer, etc.</a:t>
+            </a:r>
+          </a:p>
+          <a:p>
+            <a:pPr marL="0" indent="0">
+              <a:buNone/>
+            </a:pPr>
+            <a:endParaRPr lang="en-US" dirty="0"/>
+          </a:p>
+        </p:txBody>
+      </p:sp>
+    </p:spTree>
+    <p:extLst>
+      <p:ext uri="{BB962C8B-B14F-4D97-AF65-F5344CB8AC3E}">
+        <p14:creationId xmlns:p14="http://schemas.microsoft.com/office/powerpoint/2010/main" val="2804636567"/>
+      </p:ext>
+    </p:extLst>
+  </p:cSld>
+  <p:clrMapOvr>
+    <a:masterClrMapping/>
+  </p:clrMapOvr>
+</p:sld>
+</file>
+
+<file path=ppt/slides/slide4.xml><?xml version="1.0" encoding="utf-8"?>
+<p:sld xmlns:a="http://schemas.openxmlformats.org/drawingml/2006/main" xmlns:r="http://schemas.openxmlformats.org/officeDocument/2006/relationships" xmlns:p="http://schemas.openxmlformats.org/presentationml/2006/main">
+  <p:cSld>
+    <p:spTree>
+      <p:nvGrpSpPr>
+        <p:cNvPr id="1" name=""/>
+        <p:cNvGrpSpPr/>
+        <p:nvPr/>
+      </p:nvGrpSpPr>
+      <p:grpSpPr>
+        <a:xfrm>
+          <a:off x="0" y="0"/>
+          <a:ext cx="0" cy="0"/>
+          <a:chOff x="0" y="0"/>
+          <a:chExt cx="0" cy="0"/>
+        </a:xfrm>
+      </p:grpSpPr>
+      <p:sp>
+        <p:nvSpPr>
+          <p:cNvPr id="2" name="Title 1">
+            <a:extLst>
+              <a:ext uri="{FF2B5EF4-FFF2-40B4-BE49-F238E27FC236}">
                 <a16:creationId xmlns:a16="http://schemas.microsoft.com/office/drawing/2014/main" id="{674F968A-CE48-4354-B41F-DE8932F5C828}"/>
               </a:ext>
             </a:extLst>
@@ -19450,7 +19719,7 @@
           <a:p>
             <a:r>
               <a:rPr lang="en-US" dirty="0"/>
-              <a:t>Motivation</a:t>
+              <a:t>Problem Statement</a:t>
             </a:r>
           </a:p>
         </p:txBody>
@@ -19471,20 +19740,22 @@
             <p:ph idx="1"/>
           </p:nvPr>
         </p:nvSpPr>
-        <p:spPr/>
+        <p:spPr>
+          <a:xfrm>
+            <a:off x="1295402" y="3597456"/>
+            <a:ext cx="9601196" cy="3318936"/>
+          </a:xfrm>
+        </p:spPr>
         <p:txBody>
           <a:bodyPr/>
           <a:lstStyle/>
           <a:p>
+            <a:pPr marL="0" indent="0" algn="ctr">
+              <a:buNone/>
+            </a:pPr>
             <a:r>
-              <a:rPr lang="en-US" dirty="0"/>
-              <a:t>Although the game companies invest a substantial amount of time and money in user experience design, the efforts of user experience specialists are not enough to guarantee a successful game release.</a:t>
-            </a:r>
-          </a:p>
-          <a:p>
-            <a:r>
-              <a:rPr lang="en-US" dirty="0"/>
-              <a:t>Though the users enjoyed separate parts of the game, a narrative that did not meet the players’ expectations spoiled their experience.</a:t>
+              <a:rPr lang="en-US" b="1" dirty="0"/>
+              <a:t>To develop an application which predicts the aspect and sentiments of user reviews for games and enable the designers/developers to incorporate user feedback in the game</a:t>
             </a:r>
           </a:p>
         </p:txBody>
@@ -19502,7 +19773,7 @@
 </p:sld>
 </file>
 
-<file path=ppt/slides/slide4.xml><?xml version="1.0" encoding="utf-8"?>
+<file path=ppt/slides/slide5.xml><?xml version="1.0" encoding="utf-8"?>
 <p:sld xmlns:a="http://schemas.openxmlformats.org/drawingml/2006/main" xmlns:r="http://schemas.openxmlformats.org/officeDocument/2006/relationships" xmlns:p="http://schemas.openxmlformats.org/presentationml/2006/main">
   <p:cSld>
     <p:spTree>
@@ -19560,7 +19831,7 @@
 </p:sld>
 </file>
 
-<file path=ppt/slides/slide5.xml><?xml version="1.0" encoding="utf-8"?>
+<file path=ppt/slides/slide6.xml><?xml version="1.0" encoding="utf-8"?>
 <p:sld xmlns:a="http://schemas.openxmlformats.org/drawingml/2006/main" xmlns:r="http://schemas.openxmlformats.org/officeDocument/2006/relationships" xmlns:p="http://schemas.openxmlformats.org/presentationml/2006/main">
   <p:cSld>
     <p:spTree>
@@ -19737,7 +20008,7 @@
 </p:sld>
 </file>
 
-<file path=ppt/slides/slide6.xml><?xml version="1.0" encoding="utf-8"?>
+<file path=ppt/slides/slide7.xml><?xml version="1.0" encoding="utf-8"?>
 <p:sld xmlns:a="http://schemas.openxmlformats.org/drawingml/2006/main" xmlns:r="http://schemas.openxmlformats.org/officeDocument/2006/relationships" xmlns:p="http://schemas.openxmlformats.org/presentationml/2006/main">
   <p:cSld>
     <p:bg>
@@ -20212,7 +20483,7 @@
 </p:sld>
 </file>
 
-<file path=ppt/slides/slide7.xml><?xml version="1.0" encoding="utf-8"?>
+<file path=ppt/slides/slide8.xml><?xml version="1.0" encoding="utf-8"?>
 <p:sld xmlns:a="http://schemas.openxmlformats.org/drawingml/2006/main" xmlns:r="http://schemas.openxmlformats.org/officeDocument/2006/relationships" xmlns:p="http://schemas.openxmlformats.org/presentationml/2006/main">
   <p:cSld>
     <p:bg>
@@ -20952,7 +21223,7 @@
 </p:sld>
 </file>
 
-<file path=ppt/slides/slide8.xml><?xml version="1.0" encoding="utf-8"?>
+<file path=ppt/slides/slide9.xml><?xml version="1.0" encoding="utf-8"?>
 <p:sld xmlns:a="http://schemas.openxmlformats.org/drawingml/2006/main" xmlns:r="http://schemas.openxmlformats.org/officeDocument/2006/relationships" xmlns:p="http://schemas.openxmlformats.org/presentationml/2006/main">
   <p:cSld>
     <p:bg>
@@ -21292,64 +21563,6 @@
     <p:extLst>
       <p:ext uri="{BB962C8B-B14F-4D97-AF65-F5344CB8AC3E}">
         <p14:creationId xmlns:p14="http://schemas.microsoft.com/office/powerpoint/2010/main" val="1986662170"/>
-      </p:ext>
-    </p:extLst>
-  </p:cSld>
-  <p:clrMapOvr>
-    <a:masterClrMapping/>
-  </p:clrMapOvr>
-</p:sld>
-</file>
-
-<file path=ppt/slides/slide9.xml><?xml version="1.0" encoding="utf-8"?>
-<p:sld xmlns:a="http://schemas.openxmlformats.org/drawingml/2006/main" xmlns:r="http://schemas.openxmlformats.org/officeDocument/2006/relationships" xmlns:p="http://schemas.openxmlformats.org/presentationml/2006/main">
-  <p:cSld>
-    <p:spTree>
-      <p:nvGrpSpPr>
-        <p:cNvPr id="1" name=""/>
-        <p:cNvGrpSpPr/>
-        <p:nvPr/>
-      </p:nvGrpSpPr>
-      <p:grpSpPr>
-        <a:xfrm>
-          <a:off x="0" y="0"/>
-          <a:ext cx="0" cy="0"/>
-          <a:chOff x="0" y="0"/>
-          <a:chExt cx="0" cy="0"/>
-        </a:xfrm>
-      </p:grpSpPr>
-      <p:sp>
-        <p:nvSpPr>
-          <p:cNvPr id="2" name="Title 1">
-            <a:extLst>
-              <a:ext uri="{FF2B5EF4-FFF2-40B4-BE49-F238E27FC236}">
-                <a16:creationId xmlns:a16="http://schemas.microsoft.com/office/drawing/2014/main" id="{6A392012-BAD0-47A0-95AC-EB8FD1D7D97B}"/>
-              </a:ext>
-            </a:extLst>
-          </p:cNvPr>
-          <p:cNvSpPr>
-            <a:spLocks noGrp="1"/>
-          </p:cNvSpPr>
-          <p:nvPr>
-            <p:ph type="ctrTitle"/>
-          </p:nvPr>
-        </p:nvSpPr>
-        <p:spPr/>
-        <p:txBody>
-          <a:bodyPr/>
-          <a:lstStyle/>
-          <a:p>
-            <a:r>
-              <a:rPr lang="en-US" dirty="0"/>
-              <a:t>Experimental Setup</a:t>
-            </a:r>
-          </a:p>
-        </p:txBody>
-      </p:sp>
-    </p:spTree>
-    <p:extLst>
-      <p:ext uri="{BB962C8B-B14F-4D97-AF65-F5344CB8AC3E}">
-        <p14:creationId xmlns:p14="http://schemas.microsoft.com/office/powerpoint/2010/main" val="4097574059"/>
       </p:ext>
     </p:extLst>
   </p:cSld>
